--- a/C4Capstone_IncomePredictor_DFA .pptx
+++ b/C4Capstone_IncomePredictor_DFA .pptx
@@ -241,7 +241,7 @@
           <a:p>
             <a:fld id="{A0F15969-CECC-4954-896A-7FD508AC31CB}" type="datetimeFigureOut">
               <a:rPr lang="en-US" smtClean="0"/>
-              <a:t>4/4/2023</a:t>
+              <a:t>4/5/2023</a:t>
             </a:fld>
             <a:endParaRPr lang="en-US"/>
           </a:p>
@@ -418,7 +418,7 @@
           <a:p>
             <a:fld id="{E4D2E597-FD8E-42C6-92D5-FDA8FFB77783}" type="datetimeFigureOut">
               <a:rPr lang="en-US" smtClean="0"/>
-              <a:t>4/4/2023</a:t>
+              <a:t>4/5/2023</a:t>
             </a:fld>
             <a:endParaRPr lang="en-US"/>
           </a:p>
@@ -6105,14 +6105,14 @@
           </a:ln>
           <a:extLst>
             <a:ext uri="{909E8E84-426E-40dd-AFC4-6F175D3DCCD1}">
-              <a14:hiddenFill xmlns="" xmlns:a14="http://schemas.microsoft.com/office/drawing/2010/main">
+              <a14:hiddenFill xmlns:a14="http://schemas.microsoft.com/office/drawing/2010/main" xmlns="">
                 <a:solidFill>
                   <a:srgbClr val="FFFFFF"/>
                 </a:solidFill>
               </a14:hiddenFill>
             </a:ext>
             <a:ext uri="{91240B29-F687-4f45-9708-019B960494DF}">
-              <a14:hiddenLine xmlns="" xmlns:a14="http://schemas.microsoft.com/office/drawing/2010/main" w="12700">
+              <a14:hiddenLine xmlns:a14="http://schemas.microsoft.com/office/drawing/2010/main" xmlns="" w="12700">
                 <a:solidFill>
                   <a:srgbClr val="000000"/>
                 </a:solidFill>
@@ -7291,7 +7291,7 @@
           <a:graphicData uri="http://schemas.openxmlformats.org/presentationml/2006/ole">
             <mc:AlternateContent xmlns:mc="http://schemas.openxmlformats.org/markup-compatibility/2006">
               <mc:Choice xmlns:v="urn:schemas-microsoft-com:vml" Requires="v">
-                <p:oleObj spid="_x0000_s49160" name="think-cell Slide" r:id="rId16" imgW="270" imgH="270" progId="TCLayout.ActiveDocument.1">
+                <p:oleObj spid="_x0000_s49161" name="think-cell Slide" r:id="rId16" imgW="270" imgH="270" progId="TCLayout.ActiveDocument.1">
                   <p:embed/>
                 </p:oleObj>
               </mc:Choice>
@@ -8089,7 +8089,7 @@
           <a:graphicData uri="http://schemas.openxmlformats.org/presentationml/2006/ole">
             <mc:AlternateContent xmlns:mc="http://schemas.openxmlformats.org/markup-compatibility/2006">
               <mc:Choice xmlns:v="urn:schemas-microsoft-com:vml" Requires="v">
-                <p:oleObj spid="_x0000_s230406" name="think-cell Slide" r:id="rId5" imgW="415" imgH="416" progId="TCLayout.ActiveDocument.1">
+                <p:oleObj spid="_x0000_s230407" name="think-cell Slide" r:id="rId5" imgW="415" imgH="416" progId="TCLayout.ActiveDocument.1">
                   <p:embed/>
                 </p:oleObj>
               </mc:Choice>
@@ -9702,7 +9702,7 @@
           <a:graphicData uri="http://schemas.openxmlformats.org/presentationml/2006/ole">
             <mc:AlternateContent xmlns:mc="http://schemas.openxmlformats.org/markup-compatibility/2006">
               <mc:Choice xmlns:v="urn:schemas-microsoft-com:vml" Requires="v">
-                <p:oleObj spid="_x0000_s231429" name="think-cell Slide" r:id="rId5" imgW="415" imgH="416" progId="TCLayout.ActiveDocument.1">
+                <p:oleObj spid="_x0000_s231430" name="think-cell Slide" r:id="rId5" imgW="415" imgH="416" progId="TCLayout.ActiveDocument.1">
                   <p:embed/>
                 </p:oleObj>
               </mc:Choice>
@@ -11247,7 +11247,7 @@
           <a:graphicData uri="http://schemas.openxmlformats.org/presentationml/2006/ole">
             <mc:AlternateContent xmlns:mc="http://schemas.openxmlformats.org/markup-compatibility/2006">
               <mc:Choice xmlns:v="urn:schemas-microsoft-com:vml" Requires="v">
-                <p:oleObj spid="_x0000_s227336" name="think-cell Slide" r:id="rId5" imgW="415" imgH="416" progId="TCLayout.ActiveDocument.1">
+                <p:oleObj spid="_x0000_s227337" name="think-cell Slide" r:id="rId5" imgW="415" imgH="416" progId="TCLayout.ActiveDocument.1">
                   <p:embed/>
                 </p:oleObj>
               </mc:Choice>
@@ -11627,7 +11627,7 @@
           <a:graphicData uri="http://schemas.openxmlformats.org/presentationml/2006/ole">
             <mc:AlternateContent xmlns:mc="http://schemas.openxmlformats.org/markup-compatibility/2006">
               <mc:Choice xmlns:v="urn:schemas-microsoft-com:vml" Requires="v">
-                <p:oleObj spid="_x0000_s62472" name="think-cell Slide" r:id="rId6" imgW="395" imgH="396" progId="TCLayout.ActiveDocument.1">
+                <p:oleObj spid="_x0000_s62473" name="think-cell Slide" r:id="rId6" imgW="395" imgH="396" progId="TCLayout.ActiveDocument.1">
                   <p:embed/>
                 </p:oleObj>
               </mc:Choice>
@@ -11895,27 +11895,20 @@
           <a:prstGeom prst="rect">
             <a:avLst/>
           </a:prstGeom>
-          <a:noFill/>
-          <a:ln w="22225">
-            <a:solidFill>
-              <a:schemeClr val="accent4"/>
-            </a:solidFill>
-          </a:ln>
+          <a:ln/>
         </p:spPr>
         <p:style>
           <a:lnRef idx="2">
-            <a:schemeClr val="accent1">
-              <a:shade val="50000"/>
-            </a:schemeClr>
+            <a:schemeClr val="accent4"/>
           </a:lnRef>
           <a:fillRef idx="1">
-            <a:schemeClr val="accent1"/>
+            <a:schemeClr val="lt1"/>
           </a:fillRef>
           <a:effectRef idx="0">
-            <a:schemeClr val="accent1"/>
+            <a:schemeClr val="accent4"/>
           </a:effectRef>
           <a:fontRef idx="minor">
-            <a:schemeClr val="lt1"/>
+            <a:schemeClr val="dk1"/>
           </a:fontRef>
         </p:style>
         <p:txBody>
@@ -12357,33 +12350,26 @@
         </p:nvSpPr>
         <p:spPr>
           <a:xfrm>
-            <a:off x="3346172" y="1946195"/>
+            <a:off x="2880036" y="1946195"/>
             <a:ext cx="2029842" cy="4113151"/>
           </a:xfrm>
           <a:prstGeom prst="rect">
             <a:avLst/>
           </a:prstGeom>
-          <a:noFill/>
-          <a:ln w="22225">
-            <a:solidFill>
-              <a:schemeClr val="accent1"/>
-            </a:solidFill>
-          </a:ln>
+          <a:ln/>
         </p:spPr>
         <p:style>
           <a:lnRef idx="2">
-            <a:schemeClr val="accent1">
-              <a:shade val="50000"/>
-            </a:schemeClr>
+            <a:schemeClr val="accent1"/>
           </a:lnRef>
           <a:fillRef idx="1">
-            <a:schemeClr val="accent1"/>
+            <a:schemeClr val="lt1"/>
           </a:fillRef>
           <a:effectRef idx="0">
             <a:schemeClr val="accent1"/>
           </a:effectRef>
           <a:fontRef idx="minor">
-            <a:schemeClr val="lt1"/>
+            <a:schemeClr val="dk1"/>
           </a:fontRef>
         </p:style>
         <p:txBody>
@@ -12799,33 +12785,26 @@
         </p:nvSpPr>
         <p:spPr>
           <a:xfrm>
-            <a:off x="8587982" y="1946195"/>
+            <a:off x="9403309" y="1946193"/>
             <a:ext cx="2029842" cy="4113151"/>
           </a:xfrm>
           <a:prstGeom prst="rect">
             <a:avLst/>
           </a:prstGeom>
-          <a:noFill/>
-          <a:ln w="22225">
-            <a:solidFill>
-              <a:schemeClr val="accent3"/>
-            </a:solidFill>
-          </a:ln>
+          <a:ln/>
         </p:spPr>
         <p:style>
           <a:lnRef idx="2">
-            <a:schemeClr val="accent1">
-              <a:shade val="50000"/>
-            </a:schemeClr>
+            <a:schemeClr val="accent3"/>
           </a:lnRef>
           <a:fillRef idx="1">
-            <a:schemeClr val="accent1"/>
+            <a:schemeClr val="lt1"/>
           </a:fillRef>
           <a:effectRef idx="0">
-            <a:schemeClr val="accent1"/>
+            <a:schemeClr val="accent3"/>
           </a:effectRef>
           <a:fontRef idx="minor">
-            <a:schemeClr val="lt1"/>
+            <a:schemeClr val="dk1"/>
           </a:fontRef>
         </p:style>
         <p:txBody>
@@ -13468,33 +13447,26 @@
         </p:nvSpPr>
         <p:spPr>
           <a:xfrm>
-            <a:off x="5943322" y="1946195"/>
+            <a:off x="7208329" y="1946193"/>
             <a:ext cx="2029842" cy="4113151"/>
           </a:xfrm>
           <a:prstGeom prst="rect">
             <a:avLst/>
           </a:prstGeom>
-          <a:noFill/>
-          <a:ln w="22225">
-            <a:solidFill>
-              <a:schemeClr val="accent2"/>
-            </a:solidFill>
-          </a:ln>
+          <a:ln/>
         </p:spPr>
         <p:style>
           <a:lnRef idx="2">
-            <a:schemeClr val="accent1">
-              <a:shade val="50000"/>
-            </a:schemeClr>
+            <a:schemeClr val="accent2"/>
           </a:lnRef>
           <a:fillRef idx="1">
-            <a:schemeClr val="accent1"/>
+            <a:schemeClr val="lt1"/>
           </a:fillRef>
           <a:effectRef idx="0">
-            <a:schemeClr val="accent1"/>
+            <a:schemeClr val="accent2"/>
           </a:effectRef>
           <a:fontRef idx="minor">
-            <a:schemeClr val="lt1"/>
+            <a:schemeClr val="dk1"/>
           </a:fontRef>
         </p:style>
         <p:txBody>
@@ -13974,7 +13946,7 @@
         </p:nvGrpSpPr>
         <p:grpSpPr>
           <a:xfrm>
-            <a:off x="9267975" y="2723307"/>
+            <a:off x="9996098" y="2770926"/>
             <a:ext cx="669856" cy="670413"/>
             <a:chOff x="6754802" y="2855717"/>
             <a:chExt cx="361670" cy="361971"/>
@@ -15326,7 +15298,7 @@
         </p:nvGrpSpPr>
         <p:grpSpPr>
           <a:xfrm>
-            <a:off x="6598335" y="2746956"/>
+            <a:off x="7726420" y="2768240"/>
             <a:ext cx="671046" cy="670413"/>
             <a:chOff x="5708130" y="1402723"/>
             <a:chExt cx="362313" cy="361971"/>
@@ -16778,7 +16750,7 @@
         </p:nvGrpSpPr>
         <p:grpSpPr>
           <a:xfrm>
-            <a:off x="4025573" y="2746956"/>
+            <a:off x="3559437" y="2758190"/>
             <a:ext cx="671039" cy="670413"/>
             <a:chOff x="2560447" y="4793256"/>
             <a:chExt cx="362309" cy="361971"/>
@@ -17316,6 +17288,994 @@
                   </a:cubicBezTo>
                   <a:lnTo>
                     <a:pt x="37701" y="63202"/>
+                  </a:lnTo>
+                  <a:close/>
+                </a:path>
+              </a:pathLst>
+            </a:custGeom>
+            <a:grpFill/>
+            <a:ln w="6390" cap="flat">
+              <a:noFill/>
+              <a:prstDash val="solid"/>
+              <a:miter/>
+            </a:ln>
+          </p:spPr>
+          <p:txBody>
+            <a:bodyPr rtlCol="0" anchor="ctr"/>
+            <a:lstStyle/>
+            <a:p>
+              <a:endParaRPr lang="en-US"/>
+            </a:p>
+          </p:txBody>
+        </p:sp>
+      </p:grpSp>
+      <p:sp>
+        <p:nvSpPr>
+          <p:cNvPr id="32" name="Rectangle 31">
+            <a:extLst>
+              <a:ext uri="{FF2B5EF4-FFF2-40B4-BE49-F238E27FC236}">
+                <a16:creationId xmlns:a16="http://schemas.microsoft.com/office/drawing/2014/main" id="{1B89E473-8788-4204-B83A-692C45778276}"/>
+              </a:ext>
+            </a:extLst>
+          </p:cNvPr>
+          <p:cNvSpPr/>
+          <p:nvPr/>
+        </p:nvSpPr>
+        <p:spPr>
+          <a:xfrm>
+            <a:off x="5021715" y="1946193"/>
+            <a:ext cx="2029842" cy="4113151"/>
+          </a:xfrm>
+          <a:prstGeom prst="rect">
+            <a:avLst/>
+          </a:prstGeom>
+          <a:ln/>
+        </p:spPr>
+        <p:style>
+          <a:lnRef idx="2">
+            <a:schemeClr val="accent5"/>
+          </a:lnRef>
+          <a:fillRef idx="1">
+            <a:schemeClr val="lt1"/>
+          </a:fillRef>
+          <a:effectRef idx="0">
+            <a:schemeClr val="accent5"/>
+          </a:effectRef>
+          <a:fontRef idx="minor">
+            <a:schemeClr val="dk1"/>
+          </a:fontRef>
+        </p:style>
+        <p:txBody>
+          <a:bodyPr lIns="91440" tIns="91440" rIns="91440" bIns="0" rtlCol="0" anchor="t" anchorCtr="0"/>
+          <a:lstStyle/>
+          <a:p>
+            <a:pPr marL="0" marR="0" lvl="0" indent="0" algn="ctr" defTabSz="914400" rtl="0" eaLnBrk="1" fontAlgn="auto" latinLnBrk="0" hangingPunct="1">
+              <a:lnSpc>
+                <a:spcPct val="100000"/>
+              </a:lnSpc>
+              <a:spcBef>
+                <a:spcPts val="0"/>
+              </a:spcBef>
+              <a:spcAft>
+                <a:spcPts val="0"/>
+              </a:spcAft>
+              <a:buClrTx/>
+              <a:buSzTx/>
+              <a:buFontTx/>
+              <a:buNone/>
+              <a:tabLst/>
+              <a:defRPr/>
+            </a:pPr>
+            <a:endParaRPr kumimoji="0" lang="en-US" sz="1100" b="1" i="0" u="none" strike="noStrike" kern="1200" cap="none" spc="300" normalizeH="0" baseline="0" noProof="0" dirty="0">
+              <a:ln>
+                <a:noFill/>
+              </a:ln>
+              <a:solidFill>
+                <a:srgbClr val="000000"/>
+              </a:solidFill>
+              <a:effectLst/>
+              <a:uLnTx/>
+              <a:uFillTx/>
+              <a:ea typeface="Verdana" panose="020B0604030504040204" pitchFamily="34" charset="0"/>
+              <a:cs typeface="Verdana" panose="020B0604030504040204" pitchFamily="34" charset="0"/>
+            </a:endParaRPr>
+          </a:p>
+          <a:p>
+            <a:pPr marL="0" marR="0" lvl="0" indent="0" algn="ctr" defTabSz="914400" rtl="0" eaLnBrk="1" fontAlgn="auto" latinLnBrk="0" hangingPunct="1">
+              <a:lnSpc>
+                <a:spcPct val="100000"/>
+              </a:lnSpc>
+              <a:spcBef>
+                <a:spcPts val="0"/>
+              </a:spcBef>
+              <a:spcAft>
+                <a:spcPts val="0"/>
+              </a:spcAft>
+              <a:buClrTx/>
+              <a:buSzTx/>
+              <a:buFontTx/>
+              <a:buNone/>
+              <a:tabLst/>
+              <a:defRPr/>
+            </a:pPr>
+            <a:endParaRPr kumimoji="0" lang="en-US" sz="1100" b="1" i="0" u="none" strike="noStrike" kern="1200" cap="none" spc="300" normalizeH="0" baseline="0" noProof="0" dirty="0">
+              <a:ln>
+                <a:noFill/>
+              </a:ln>
+              <a:solidFill>
+                <a:srgbClr val="000000"/>
+              </a:solidFill>
+              <a:effectLst/>
+              <a:uLnTx/>
+              <a:uFillTx/>
+              <a:ea typeface="Verdana" panose="020B0604030504040204" pitchFamily="34" charset="0"/>
+              <a:cs typeface="Verdana" panose="020B0604030504040204" pitchFamily="34" charset="0"/>
+            </a:endParaRPr>
+          </a:p>
+          <a:p>
+            <a:pPr marL="0" marR="0" lvl="0" indent="0" algn="ctr" defTabSz="914400" rtl="0" eaLnBrk="1" fontAlgn="auto" latinLnBrk="0" hangingPunct="1">
+              <a:lnSpc>
+                <a:spcPct val="100000"/>
+              </a:lnSpc>
+              <a:spcBef>
+                <a:spcPts val="0"/>
+              </a:spcBef>
+              <a:spcAft>
+                <a:spcPts val="0"/>
+              </a:spcAft>
+              <a:buClrTx/>
+              <a:buSzTx/>
+              <a:buFontTx/>
+              <a:buNone/>
+              <a:tabLst/>
+              <a:defRPr/>
+            </a:pPr>
+            <a:endParaRPr kumimoji="0" lang="en-US" sz="1100" b="1" i="0" u="none" strike="noStrike" kern="1200" cap="none" spc="300" normalizeH="0" baseline="0" noProof="0" dirty="0">
+              <a:ln>
+                <a:noFill/>
+              </a:ln>
+              <a:solidFill>
+                <a:srgbClr val="000000"/>
+              </a:solidFill>
+              <a:effectLst/>
+              <a:uLnTx/>
+              <a:uFillTx/>
+              <a:ea typeface="Verdana" panose="020B0604030504040204" pitchFamily="34" charset="0"/>
+              <a:cs typeface="Verdana" panose="020B0604030504040204" pitchFamily="34" charset="0"/>
+            </a:endParaRPr>
+          </a:p>
+          <a:p>
+            <a:pPr marL="0" marR="0" lvl="0" indent="0" algn="ctr" defTabSz="914400" rtl="0" eaLnBrk="1" fontAlgn="auto" latinLnBrk="0" hangingPunct="1">
+              <a:lnSpc>
+                <a:spcPct val="100000"/>
+              </a:lnSpc>
+              <a:spcBef>
+                <a:spcPts val="0"/>
+              </a:spcBef>
+              <a:spcAft>
+                <a:spcPts val="0"/>
+              </a:spcAft>
+              <a:buClrTx/>
+              <a:buSzTx/>
+              <a:buFontTx/>
+              <a:buNone/>
+              <a:tabLst/>
+              <a:defRPr/>
+            </a:pPr>
+            <a:endParaRPr kumimoji="0" lang="en-US" sz="1100" b="1" i="0" u="none" strike="noStrike" kern="1200" cap="none" spc="300" normalizeH="0" baseline="0" noProof="0" dirty="0">
+              <a:ln>
+                <a:noFill/>
+              </a:ln>
+              <a:solidFill>
+                <a:srgbClr val="000000"/>
+              </a:solidFill>
+              <a:effectLst/>
+              <a:uLnTx/>
+              <a:uFillTx/>
+              <a:ea typeface="Verdana" panose="020B0604030504040204" pitchFamily="34" charset="0"/>
+              <a:cs typeface="Verdana" panose="020B0604030504040204" pitchFamily="34" charset="0"/>
+            </a:endParaRPr>
+          </a:p>
+          <a:p>
+            <a:pPr marL="0" marR="0" lvl="0" indent="0" algn="ctr" defTabSz="914400" rtl="0" eaLnBrk="1" fontAlgn="auto" latinLnBrk="0" hangingPunct="1">
+              <a:lnSpc>
+                <a:spcPct val="100000"/>
+              </a:lnSpc>
+              <a:spcBef>
+                <a:spcPts val="0"/>
+              </a:spcBef>
+              <a:spcAft>
+                <a:spcPts val="0"/>
+              </a:spcAft>
+              <a:buClrTx/>
+              <a:buSzTx/>
+              <a:buFontTx/>
+              <a:buNone/>
+              <a:tabLst/>
+              <a:defRPr/>
+            </a:pPr>
+            <a:endParaRPr kumimoji="0" lang="en-US" sz="1100" b="1" i="0" u="none" strike="noStrike" kern="1200" cap="none" spc="300" normalizeH="0" baseline="0" noProof="0" dirty="0">
+              <a:ln>
+                <a:noFill/>
+              </a:ln>
+              <a:solidFill>
+                <a:srgbClr val="000000"/>
+              </a:solidFill>
+              <a:effectLst/>
+              <a:uLnTx/>
+              <a:uFillTx/>
+              <a:ea typeface="Verdana" panose="020B0604030504040204" pitchFamily="34" charset="0"/>
+              <a:cs typeface="Verdana" panose="020B0604030504040204" pitchFamily="34" charset="0"/>
+            </a:endParaRPr>
+          </a:p>
+          <a:p>
+            <a:pPr marL="0" marR="0" lvl="0" indent="0" algn="ctr" defTabSz="914400" rtl="0" eaLnBrk="1" fontAlgn="auto" latinLnBrk="0" hangingPunct="1">
+              <a:lnSpc>
+                <a:spcPct val="100000"/>
+              </a:lnSpc>
+              <a:spcBef>
+                <a:spcPts val="0"/>
+              </a:spcBef>
+              <a:spcAft>
+                <a:spcPts val="0"/>
+              </a:spcAft>
+              <a:buClrTx/>
+              <a:buSzTx/>
+              <a:buFontTx/>
+              <a:buNone/>
+              <a:tabLst/>
+              <a:defRPr/>
+            </a:pPr>
+            <a:endParaRPr kumimoji="0" lang="en-US" sz="1100" b="1" i="0" u="none" strike="noStrike" kern="1200" cap="none" spc="300" normalizeH="0" baseline="0" noProof="0" dirty="0">
+              <a:ln>
+                <a:noFill/>
+              </a:ln>
+              <a:solidFill>
+                <a:srgbClr val="000000"/>
+              </a:solidFill>
+              <a:effectLst/>
+              <a:uLnTx/>
+              <a:uFillTx/>
+              <a:ea typeface="Verdana" panose="020B0604030504040204" pitchFamily="34" charset="0"/>
+              <a:cs typeface="Verdana" panose="020B0604030504040204" pitchFamily="34" charset="0"/>
+            </a:endParaRPr>
+          </a:p>
+          <a:p>
+            <a:pPr marL="0" marR="0" lvl="0" indent="0" algn="ctr" defTabSz="914400" rtl="0" eaLnBrk="1" fontAlgn="auto" latinLnBrk="0" hangingPunct="1">
+              <a:lnSpc>
+                <a:spcPct val="100000"/>
+              </a:lnSpc>
+              <a:spcBef>
+                <a:spcPts val="0"/>
+              </a:spcBef>
+              <a:spcAft>
+                <a:spcPts val="0"/>
+              </a:spcAft>
+              <a:buClrTx/>
+              <a:buSzTx/>
+              <a:buFontTx/>
+              <a:buNone/>
+              <a:tabLst/>
+              <a:defRPr/>
+            </a:pPr>
+            <a:endParaRPr kumimoji="0" lang="en-US" sz="1100" b="1" i="0" u="none" strike="noStrike" kern="1200" cap="none" spc="300" normalizeH="0" baseline="0" noProof="0" dirty="0">
+              <a:ln>
+                <a:noFill/>
+              </a:ln>
+              <a:solidFill>
+                <a:srgbClr val="000000"/>
+              </a:solidFill>
+              <a:effectLst/>
+              <a:uLnTx/>
+              <a:uFillTx/>
+              <a:ea typeface="Verdana" panose="020B0604030504040204" pitchFamily="34" charset="0"/>
+              <a:cs typeface="Verdana" panose="020B0604030504040204" pitchFamily="34" charset="0"/>
+            </a:endParaRPr>
+          </a:p>
+          <a:p>
+            <a:pPr marL="0" marR="0" lvl="0" indent="0" algn="ctr" defTabSz="914400" rtl="0" eaLnBrk="1" fontAlgn="auto" latinLnBrk="0" hangingPunct="1">
+              <a:lnSpc>
+                <a:spcPct val="100000"/>
+              </a:lnSpc>
+              <a:spcBef>
+                <a:spcPts val="0"/>
+              </a:spcBef>
+              <a:spcAft>
+                <a:spcPts val="0"/>
+              </a:spcAft>
+              <a:buClrTx/>
+              <a:buSzTx/>
+              <a:buFontTx/>
+              <a:buNone/>
+              <a:tabLst/>
+              <a:defRPr/>
+            </a:pPr>
+            <a:endParaRPr kumimoji="0" lang="en-US" sz="1100" b="1" i="0" u="none" strike="noStrike" kern="1200" cap="none" spc="300" normalizeH="0" baseline="0" noProof="0" dirty="0">
+              <a:ln>
+                <a:noFill/>
+              </a:ln>
+              <a:solidFill>
+                <a:srgbClr val="000000"/>
+              </a:solidFill>
+              <a:effectLst/>
+              <a:uLnTx/>
+              <a:uFillTx/>
+              <a:ea typeface="Verdana" panose="020B0604030504040204" pitchFamily="34" charset="0"/>
+              <a:cs typeface="Verdana" panose="020B0604030504040204" pitchFamily="34" charset="0"/>
+            </a:endParaRPr>
+          </a:p>
+          <a:p>
+            <a:pPr marL="0" marR="0" lvl="0" indent="0" algn="ctr" defTabSz="914400" rtl="0" eaLnBrk="1" fontAlgn="auto" latinLnBrk="0" hangingPunct="1">
+              <a:lnSpc>
+                <a:spcPct val="100000"/>
+              </a:lnSpc>
+              <a:spcBef>
+                <a:spcPts val="0"/>
+              </a:spcBef>
+              <a:spcAft>
+                <a:spcPts val="0"/>
+              </a:spcAft>
+              <a:buClrTx/>
+              <a:buSzTx/>
+              <a:buFontTx/>
+              <a:buNone/>
+              <a:tabLst/>
+              <a:defRPr/>
+            </a:pPr>
+            <a:endParaRPr kumimoji="0" lang="en-US" sz="1100" b="1" i="0" u="none" strike="noStrike" kern="1200" cap="none" spc="300" normalizeH="0" baseline="0" noProof="0" dirty="0">
+              <a:ln>
+                <a:noFill/>
+              </a:ln>
+              <a:solidFill>
+                <a:srgbClr val="000000"/>
+              </a:solidFill>
+              <a:effectLst/>
+              <a:uLnTx/>
+              <a:uFillTx/>
+              <a:ea typeface="Verdana" panose="020B0604030504040204" pitchFamily="34" charset="0"/>
+              <a:cs typeface="Verdana" panose="020B0604030504040204" pitchFamily="34" charset="0"/>
+            </a:endParaRPr>
+          </a:p>
+          <a:p>
+            <a:pPr marL="0" marR="0" lvl="0" indent="0" algn="ctr" defTabSz="914400" rtl="0" eaLnBrk="1" fontAlgn="auto" latinLnBrk="0" hangingPunct="1">
+              <a:lnSpc>
+                <a:spcPct val="100000"/>
+              </a:lnSpc>
+              <a:spcBef>
+                <a:spcPts val="0"/>
+              </a:spcBef>
+              <a:spcAft>
+                <a:spcPts val="0"/>
+              </a:spcAft>
+              <a:buClrTx/>
+              <a:buSzTx/>
+              <a:buFontTx/>
+              <a:buNone/>
+              <a:tabLst/>
+              <a:defRPr/>
+            </a:pPr>
+            <a:endParaRPr kumimoji="0" lang="en-US" sz="1100" b="1" i="0" u="none" strike="noStrike" kern="1200" cap="none" spc="300" normalizeH="0" baseline="0" noProof="0" dirty="0">
+              <a:ln>
+                <a:noFill/>
+              </a:ln>
+              <a:solidFill>
+                <a:srgbClr val="000000"/>
+              </a:solidFill>
+              <a:effectLst/>
+              <a:uLnTx/>
+              <a:uFillTx/>
+              <a:ea typeface="Verdana" panose="020B0604030504040204" pitchFamily="34" charset="0"/>
+              <a:cs typeface="Verdana" panose="020B0604030504040204" pitchFamily="34" charset="0"/>
+            </a:endParaRPr>
+          </a:p>
+          <a:p>
+            <a:pPr lvl="0" algn="ctr">
+              <a:defRPr/>
+            </a:pPr>
+            <a:r>
+              <a:rPr kumimoji="0" lang="en-US" sz="1400" b="1" i="0" u="none" strike="noStrike" kern="1200" cap="none" spc="300" normalizeH="0" baseline="0" noProof="0" dirty="0">
+                <a:ln>
+                  <a:noFill/>
+                </a:ln>
+                <a:solidFill>
+                  <a:srgbClr val="000000"/>
+                </a:solidFill>
+                <a:effectLst/>
+                <a:uLnTx/>
+                <a:uFillTx/>
+                <a:ea typeface="Verdana" panose="020B0604030504040204" pitchFamily="34" charset="0"/>
+                <a:cs typeface="Verdana" panose="020B0604030504040204" pitchFamily="34" charset="0"/>
+              </a:rPr>
+              <a:t>BALANCED THE TRAINING DATA FOR EACH LABEL</a:t>
+            </a:r>
+          </a:p>
+          <a:p>
+            <a:pPr marL="0" marR="0" lvl="0" indent="0" algn="ctr" defTabSz="914400" rtl="0" eaLnBrk="1" fontAlgn="auto" latinLnBrk="0" hangingPunct="1">
+              <a:lnSpc>
+                <a:spcPct val="100000"/>
+              </a:lnSpc>
+              <a:spcBef>
+                <a:spcPts val="0"/>
+              </a:spcBef>
+              <a:spcAft>
+                <a:spcPts val="0"/>
+              </a:spcAft>
+              <a:buClrTx/>
+              <a:buSzTx/>
+              <a:buFontTx/>
+              <a:buNone/>
+              <a:tabLst/>
+              <a:defRPr/>
+            </a:pPr>
+            <a:endParaRPr kumimoji="0" lang="en-US" sz="700" b="1" i="0" u="none" strike="noStrike" kern="1200" cap="none" spc="300" normalizeH="0" baseline="0" noProof="0" dirty="0">
+              <a:ln>
+                <a:noFill/>
+              </a:ln>
+              <a:solidFill>
+                <a:srgbClr val="000000"/>
+              </a:solidFill>
+              <a:effectLst/>
+              <a:uLnTx/>
+              <a:uFillTx/>
+              <a:ea typeface="Verdana" panose="020B0604030504040204" pitchFamily="34" charset="0"/>
+              <a:cs typeface="Verdana" panose="020B0604030504040204" pitchFamily="34" charset="0"/>
+            </a:endParaRPr>
+          </a:p>
+          <a:p>
+            <a:pPr marL="171450" marR="0" lvl="0" indent="-171450" algn="l" defTabSz="914400" rtl="0" eaLnBrk="1" fontAlgn="auto" latinLnBrk="0" hangingPunct="1">
+              <a:lnSpc>
+                <a:spcPct val="100000"/>
+              </a:lnSpc>
+              <a:spcBef>
+                <a:spcPts val="0"/>
+              </a:spcBef>
+              <a:spcAft>
+                <a:spcPts val="0"/>
+              </a:spcAft>
+              <a:buClrTx/>
+              <a:buSzTx/>
+              <a:buFont typeface="Arial" panose="020B0604020202020204" pitchFamily="34" charset="0"/>
+              <a:buChar char="•"/>
+              <a:tabLst/>
+              <a:defRPr/>
+            </a:pPr>
+            <a:endParaRPr kumimoji="0" lang="en-US" sz="500" b="0" i="1" u="none" strike="noStrike" kern="1200" cap="none" spc="300" normalizeH="0" baseline="0" noProof="0" dirty="0">
+              <a:ln>
+                <a:noFill/>
+              </a:ln>
+              <a:solidFill>
+                <a:srgbClr val="000000"/>
+              </a:solidFill>
+              <a:effectLst/>
+              <a:uLnTx/>
+              <a:uFillTx/>
+              <a:ea typeface="Verdana" panose="020B0604030504040204" pitchFamily="34" charset="0"/>
+              <a:cs typeface="Verdana" panose="020B0604030504040204" pitchFamily="34" charset="0"/>
+            </a:endParaRPr>
+          </a:p>
+          <a:p>
+            <a:pPr marL="171450" marR="0" lvl="0" indent="-171450" algn="l" defTabSz="914400" rtl="0" eaLnBrk="1" fontAlgn="auto" latinLnBrk="0" hangingPunct="1">
+              <a:lnSpc>
+                <a:spcPct val="100000"/>
+              </a:lnSpc>
+              <a:spcBef>
+                <a:spcPts val="0"/>
+              </a:spcBef>
+              <a:spcAft>
+                <a:spcPts val="0"/>
+              </a:spcAft>
+              <a:buClrTx/>
+              <a:buSzTx/>
+              <a:buFont typeface="Arial" panose="020B0604020202020204" pitchFamily="34" charset="0"/>
+              <a:buChar char="•"/>
+              <a:tabLst/>
+              <a:defRPr/>
+            </a:pPr>
+            <a:endParaRPr kumimoji="0" lang="en-US" sz="900" b="0" i="1" u="none" strike="noStrike" kern="1200" cap="none" spc="300" normalizeH="0" baseline="0" noProof="0" dirty="0">
+              <a:ln>
+                <a:noFill/>
+              </a:ln>
+              <a:solidFill>
+                <a:srgbClr val="000000"/>
+              </a:solidFill>
+              <a:effectLst/>
+              <a:uLnTx/>
+              <a:uFillTx/>
+              <a:ea typeface="Verdana" panose="020B0604030504040204" pitchFamily="34" charset="0"/>
+              <a:cs typeface="Verdana" panose="020B0604030504040204" pitchFamily="34" charset="0"/>
+            </a:endParaRPr>
+          </a:p>
+        </p:txBody>
+      </p:sp>
+      <p:grpSp>
+        <p:nvGrpSpPr>
+          <p:cNvPr id="67" name="Graphic 4">
+            <a:extLst>
+              <a:ext uri="{FF2B5EF4-FFF2-40B4-BE49-F238E27FC236}">
+                <a16:creationId xmlns:a16="http://schemas.microsoft.com/office/drawing/2014/main" id="{555937FD-AE22-4D91-924F-F94BD53C5559}"/>
+              </a:ext>
+            </a:extLst>
+          </p:cNvPr>
+          <p:cNvGrpSpPr/>
+          <p:nvPr/>
+        </p:nvGrpSpPr>
+        <p:grpSpPr>
+          <a:xfrm>
+            <a:off x="5696578" y="2758190"/>
+            <a:ext cx="669856" cy="670413"/>
+            <a:chOff x="6754802" y="2855717"/>
+            <a:chExt cx="361670" cy="361971"/>
+          </a:xfrm>
+          <a:solidFill>
+            <a:schemeClr val="tx1"/>
+          </a:solidFill>
+        </p:grpSpPr>
+        <p:sp>
+          <p:nvSpPr>
+            <p:cNvPr id="68" name="Graphic 4">
+              <a:extLst>
+                <a:ext uri="{FF2B5EF4-FFF2-40B4-BE49-F238E27FC236}">
+                  <a16:creationId xmlns:a16="http://schemas.microsoft.com/office/drawing/2014/main" id="{0FFC2824-8492-4877-BC79-BF6533B9FC63}"/>
+                </a:ext>
+              </a:extLst>
+            </p:cNvPr>
+            <p:cNvSpPr/>
+            <p:nvPr/>
+          </p:nvSpPr>
+          <p:spPr>
+            <a:xfrm>
+              <a:off x="6754802" y="2855717"/>
+              <a:ext cx="361670" cy="361971"/>
+            </a:xfrm>
+            <a:custGeom>
+              <a:avLst/>
+              <a:gdLst>
+                <a:gd name="connsiteX0" fmla="*/ 180836 w 361670"/>
+                <a:gd name="connsiteY0" fmla="*/ 0 h 361971"/>
+                <a:gd name="connsiteX1" fmla="*/ 0 w 361670"/>
+                <a:gd name="connsiteY1" fmla="*/ 180667 h 361971"/>
+                <a:gd name="connsiteX2" fmla="*/ 180836 w 361670"/>
+                <a:gd name="connsiteY2" fmla="*/ 361972 h 361971"/>
+                <a:gd name="connsiteX3" fmla="*/ 361670 w 361670"/>
+                <a:gd name="connsiteY3" fmla="*/ 181305 h 361971"/>
+                <a:gd name="connsiteX4" fmla="*/ 361670 w 361670"/>
+                <a:gd name="connsiteY4" fmla="*/ 181305 h 361971"/>
+                <a:gd name="connsiteX5" fmla="*/ 180836 w 361670"/>
+                <a:gd name="connsiteY5" fmla="*/ 0 h 361971"/>
+                <a:gd name="connsiteX6" fmla="*/ 180836 w 361670"/>
+                <a:gd name="connsiteY6" fmla="*/ 349204 h 361971"/>
+                <a:gd name="connsiteX7" fmla="*/ 12780 w 361670"/>
+                <a:gd name="connsiteY7" fmla="*/ 181305 h 361971"/>
+                <a:gd name="connsiteX8" fmla="*/ 180836 w 361670"/>
+                <a:gd name="connsiteY8" fmla="*/ 12768 h 361971"/>
+                <a:gd name="connsiteX9" fmla="*/ 348890 w 361670"/>
+                <a:gd name="connsiteY9" fmla="*/ 180667 h 361971"/>
+                <a:gd name="connsiteX10" fmla="*/ 348890 w 361670"/>
+                <a:gd name="connsiteY10" fmla="*/ 180667 h 361971"/>
+                <a:gd name="connsiteX11" fmla="*/ 180836 w 361670"/>
+                <a:gd name="connsiteY11" fmla="*/ 349204 h 361971"/>
+              </a:gdLst>
+              <a:ahLst/>
+              <a:cxnLst>
+                <a:cxn ang="0">
+                  <a:pos x="connsiteX0" y="connsiteY0"/>
+                </a:cxn>
+                <a:cxn ang="0">
+                  <a:pos x="connsiteX1" y="connsiteY1"/>
+                </a:cxn>
+                <a:cxn ang="0">
+                  <a:pos x="connsiteX2" y="connsiteY2"/>
+                </a:cxn>
+                <a:cxn ang="0">
+                  <a:pos x="connsiteX3" y="connsiteY3"/>
+                </a:cxn>
+                <a:cxn ang="0">
+                  <a:pos x="connsiteX4" y="connsiteY4"/>
+                </a:cxn>
+                <a:cxn ang="0">
+                  <a:pos x="connsiteX5" y="connsiteY5"/>
+                </a:cxn>
+                <a:cxn ang="0">
+                  <a:pos x="connsiteX6" y="connsiteY6"/>
+                </a:cxn>
+                <a:cxn ang="0">
+                  <a:pos x="connsiteX7" y="connsiteY7"/>
+                </a:cxn>
+                <a:cxn ang="0">
+                  <a:pos x="connsiteX8" y="connsiteY8"/>
+                </a:cxn>
+                <a:cxn ang="0">
+                  <a:pos x="connsiteX9" y="connsiteY9"/>
+                </a:cxn>
+                <a:cxn ang="0">
+                  <a:pos x="connsiteX10" y="connsiteY10"/>
+                </a:cxn>
+                <a:cxn ang="0">
+                  <a:pos x="connsiteX11" y="connsiteY11"/>
+                </a:cxn>
+              </a:cxnLst>
+              <a:rect l="l" t="t" r="r" b="b"/>
+              <a:pathLst>
+                <a:path w="361670" h="361971">
+                  <a:moveTo>
+                    <a:pt x="180836" y="0"/>
+                  </a:moveTo>
+                  <a:cubicBezTo>
+                    <a:pt x="80513" y="0"/>
+                    <a:pt x="0" y="81076"/>
+                    <a:pt x="0" y="180667"/>
+                  </a:cubicBezTo>
+                  <a:cubicBezTo>
+                    <a:pt x="0" y="280895"/>
+                    <a:pt x="81153" y="361972"/>
+                    <a:pt x="180836" y="361972"/>
+                  </a:cubicBezTo>
+                  <a:cubicBezTo>
+                    <a:pt x="281157" y="361972"/>
+                    <a:pt x="361670" y="280895"/>
+                    <a:pt x="361670" y="181305"/>
+                  </a:cubicBezTo>
+                  <a:cubicBezTo>
+                    <a:pt x="361670" y="181305"/>
+                    <a:pt x="361670" y="181305"/>
+                    <a:pt x="361670" y="181305"/>
+                  </a:cubicBezTo>
+                  <a:cubicBezTo>
+                    <a:pt x="361670" y="80438"/>
+                    <a:pt x="280518" y="0"/>
+                    <a:pt x="180836" y="0"/>
+                  </a:cubicBezTo>
+                  <a:close/>
+                  <a:moveTo>
+                    <a:pt x="180836" y="349204"/>
+                  </a:moveTo>
+                  <a:cubicBezTo>
+                    <a:pt x="87543" y="349204"/>
+                    <a:pt x="12780" y="273873"/>
+                    <a:pt x="12780" y="181305"/>
+                  </a:cubicBezTo>
+                  <a:cubicBezTo>
+                    <a:pt x="12780" y="88099"/>
+                    <a:pt x="88181" y="12768"/>
+                    <a:pt x="180836" y="12768"/>
+                  </a:cubicBezTo>
+                  <a:cubicBezTo>
+                    <a:pt x="274128" y="12768"/>
+                    <a:pt x="348890" y="88099"/>
+                    <a:pt x="348890" y="180667"/>
+                  </a:cubicBezTo>
+                  <a:cubicBezTo>
+                    <a:pt x="348890" y="180667"/>
+                    <a:pt x="348890" y="180667"/>
+                    <a:pt x="348890" y="180667"/>
+                  </a:cubicBezTo>
+                  <a:cubicBezTo>
+                    <a:pt x="348890" y="273234"/>
+                    <a:pt x="273490" y="348565"/>
+                    <a:pt x="180836" y="349204"/>
+                  </a:cubicBezTo>
+                  <a:close/>
+                </a:path>
+              </a:pathLst>
+            </a:custGeom>
+            <a:grpFill/>
+            <a:ln w="6390" cap="flat">
+              <a:noFill/>
+              <a:prstDash val="solid"/>
+              <a:miter/>
+            </a:ln>
+          </p:spPr>
+          <p:txBody>
+            <a:bodyPr rtlCol="0" anchor="ctr"/>
+            <a:lstStyle/>
+            <a:p>
+              <a:endParaRPr lang="en-US"/>
+            </a:p>
+          </p:txBody>
+        </p:sp>
+        <p:sp>
+          <p:nvSpPr>
+            <p:cNvPr id="69" name="Graphic 4">
+              <a:extLst>
+                <a:ext uri="{FF2B5EF4-FFF2-40B4-BE49-F238E27FC236}">
+                  <a16:creationId xmlns:a16="http://schemas.microsoft.com/office/drawing/2014/main" id="{07D5F3B8-D481-4463-95F1-8F01B0CF5CB6}"/>
+                </a:ext>
+              </a:extLst>
+            </p:cNvPr>
+            <p:cNvSpPr/>
+            <p:nvPr/>
+          </p:nvSpPr>
+          <p:spPr>
+            <a:xfrm>
+              <a:off x="6827617" y="2959422"/>
+              <a:ext cx="214731" cy="129311"/>
+            </a:xfrm>
+            <a:custGeom>
+              <a:avLst/>
+              <a:gdLst>
+                <a:gd name="connsiteX0" fmla="*/ 200035 w 214731"/>
+                <a:gd name="connsiteY0" fmla="*/ 24614 h 129311"/>
+                <a:gd name="connsiteX1" fmla="*/ 198757 w 214731"/>
+                <a:gd name="connsiteY1" fmla="*/ 15676 h 129311"/>
+                <a:gd name="connsiteX2" fmla="*/ 191089 w 214731"/>
+                <a:gd name="connsiteY2" fmla="*/ 15676 h 129311"/>
+                <a:gd name="connsiteX3" fmla="*/ 177671 w 214731"/>
+                <a:gd name="connsiteY3" fmla="*/ 25891 h 129311"/>
+                <a:gd name="connsiteX4" fmla="*/ 25590 w 214731"/>
+                <a:gd name="connsiteY4" fmla="*/ 38020 h 129311"/>
+                <a:gd name="connsiteX5" fmla="*/ 30 w 214731"/>
+                <a:gd name="connsiteY5" fmla="*/ 108244 h 129311"/>
+                <a:gd name="connsiteX6" fmla="*/ 6420 w 214731"/>
+                <a:gd name="connsiteY6" fmla="*/ 114628 h 129311"/>
+                <a:gd name="connsiteX7" fmla="*/ 12810 w 214731"/>
+                <a:gd name="connsiteY7" fmla="*/ 108244 h 129311"/>
+                <a:gd name="connsiteX8" fmla="*/ 107381 w 214731"/>
+                <a:gd name="connsiteY8" fmla="*/ 13123 h 129311"/>
+                <a:gd name="connsiteX9" fmla="*/ 166807 w 214731"/>
+                <a:gd name="connsiteY9" fmla="*/ 34190 h 129311"/>
+                <a:gd name="connsiteX10" fmla="*/ 92684 w 214731"/>
+                <a:gd name="connsiteY10" fmla="*/ 91007 h 129311"/>
+                <a:gd name="connsiteX11" fmla="*/ 92045 w 214731"/>
+                <a:gd name="connsiteY11" fmla="*/ 91646 h 129311"/>
+                <a:gd name="connsiteX12" fmla="*/ 92045 w 214731"/>
+                <a:gd name="connsiteY12" fmla="*/ 122927 h 129311"/>
+                <a:gd name="connsiteX13" fmla="*/ 107381 w 214731"/>
+                <a:gd name="connsiteY13" fmla="*/ 129311 h 129311"/>
+                <a:gd name="connsiteX14" fmla="*/ 107381 w 214731"/>
+                <a:gd name="connsiteY14" fmla="*/ 129311 h 129311"/>
+                <a:gd name="connsiteX15" fmla="*/ 122717 w 214731"/>
+                <a:gd name="connsiteY15" fmla="*/ 122927 h 129311"/>
+                <a:gd name="connsiteX16" fmla="*/ 123356 w 214731"/>
+                <a:gd name="connsiteY16" fmla="*/ 122289 h 129311"/>
+                <a:gd name="connsiteX17" fmla="*/ 180866 w 214731"/>
+                <a:gd name="connsiteY17" fmla="*/ 48873 h 129311"/>
+                <a:gd name="connsiteX18" fmla="*/ 201952 w 214731"/>
+                <a:gd name="connsiteY18" fmla="*/ 108882 h 129311"/>
+                <a:gd name="connsiteX19" fmla="*/ 208342 w 214731"/>
+                <a:gd name="connsiteY19" fmla="*/ 115266 h 129311"/>
+                <a:gd name="connsiteX20" fmla="*/ 214732 w 214731"/>
+                <a:gd name="connsiteY20" fmla="*/ 108882 h 129311"/>
+                <a:gd name="connsiteX21" fmla="*/ 188533 w 214731"/>
+                <a:gd name="connsiteY21" fmla="*/ 38659 h 129311"/>
+                <a:gd name="connsiteX22" fmla="*/ 200035 w 214731"/>
+                <a:gd name="connsiteY22" fmla="*/ 24614 h 129311"/>
+                <a:gd name="connsiteX23" fmla="*/ 113771 w 214731"/>
+                <a:gd name="connsiteY23" fmla="*/ 113351 h 129311"/>
+                <a:gd name="connsiteX24" fmla="*/ 107381 w 214731"/>
+                <a:gd name="connsiteY24" fmla="*/ 115905 h 129311"/>
+                <a:gd name="connsiteX25" fmla="*/ 107381 w 214731"/>
+                <a:gd name="connsiteY25" fmla="*/ 115905 h 129311"/>
+                <a:gd name="connsiteX26" fmla="*/ 100991 w 214731"/>
+                <a:gd name="connsiteY26" fmla="*/ 113351 h 129311"/>
+                <a:gd name="connsiteX27" fmla="*/ 100991 w 214731"/>
+                <a:gd name="connsiteY27" fmla="*/ 100583 h 129311"/>
+                <a:gd name="connsiteX28" fmla="*/ 158501 w 214731"/>
+                <a:gd name="connsiteY28" fmla="*/ 56534 h 129311"/>
+                <a:gd name="connsiteX29" fmla="*/ 113771 w 214731"/>
+                <a:gd name="connsiteY29" fmla="*/ 113351 h 129311"/>
+              </a:gdLst>
+              <a:ahLst/>
+              <a:cxnLst>
+                <a:cxn ang="0">
+                  <a:pos x="connsiteX0" y="connsiteY0"/>
+                </a:cxn>
+                <a:cxn ang="0">
+                  <a:pos x="connsiteX1" y="connsiteY1"/>
+                </a:cxn>
+                <a:cxn ang="0">
+                  <a:pos x="connsiteX2" y="connsiteY2"/>
+                </a:cxn>
+                <a:cxn ang="0">
+                  <a:pos x="connsiteX3" y="connsiteY3"/>
+                </a:cxn>
+                <a:cxn ang="0">
+                  <a:pos x="connsiteX4" y="connsiteY4"/>
+                </a:cxn>
+                <a:cxn ang="0">
+                  <a:pos x="connsiteX5" y="connsiteY5"/>
+                </a:cxn>
+                <a:cxn ang="0">
+                  <a:pos x="connsiteX6" y="connsiteY6"/>
+                </a:cxn>
+                <a:cxn ang="0">
+                  <a:pos x="connsiteX7" y="connsiteY7"/>
+                </a:cxn>
+                <a:cxn ang="0">
+                  <a:pos x="connsiteX8" y="connsiteY8"/>
+                </a:cxn>
+                <a:cxn ang="0">
+                  <a:pos x="connsiteX9" y="connsiteY9"/>
+                </a:cxn>
+                <a:cxn ang="0">
+                  <a:pos x="connsiteX10" y="connsiteY10"/>
+                </a:cxn>
+                <a:cxn ang="0">
+                  <a:pos x="connsiteX11" y="connsiteY11"/>
+                </a:cxn>
+                <a:cxn ang="0">
+                  <a:pos x="connsiteX12" y="connsiteY12"/>
+                </a:cxn>
+                <a:cxn ang="0">
+                  <a:pos x="connsiteX13" y="connsiteY13"/>
+                </a:cxn>
+                <a:cxn ang="0">
+                  <a:pos x="connsiteX14" y="connsiteY14"/>
+                </a:cxn>
+                <a:cxn ang="0">
+                  <a:pos x="connsiteX15" y="connsiteY15"/>
+                </a:cxn>
+                <a:cxn ang="0">
+                  <a:pos x="connsiteX16" y="connsiteY16"/>
+                </a:cxn>
+                <a:cxn ang="0">
+                  <a:pos x="connsiteX17" y="connsiteY17"/>
+                </a:cxn>
+                <a:cxn ang="0">
+                  <a:pos x="connsiteX18" y="connsiteY18"/>
+                </a:cxn>
+                <a:cxn ang="0">
+                  <a:pos x="connsiteX19" y="connsiteY19"/>
+                </a:cxn>
+                <a:cxn ang="0">
+                  <a:pos x="connsiteX20" y="connsiteY20"/>
+                </a:cxn>
+                <a:cxn ang="0">
+                  <a:pos x="connsiteX21" y="connsiteY21"/>
+                </a:cxn>
+                <a:cxn ang="0">
+                  <a:pos x="connsiteX22" y="connsiteY22"/>
+                </a:cxn>
+                <a:cxn ang="0">
+                  <a:pos x="connsiteX23" y="connsiteY23"/>
+                </a:cxn>
+                <a:cxn ang="0">
+                  <a:pos x="connsiteX24" y="connsiteY24"/>
+                </a:cxn>
+                <a:cxn ang="0">
+                  <a:pos x="connsiteX25" y="connsiteY25"/>
+                </a:cxn>
+                <a:cxn ang="0">
+                  <a:pos x="connsiteX26" y="connsiteY26"/>
+                </a:cxn>
+                <a:cxn ang="0">
+                  <a:pos x="connsiteX27" y="connsiteY27"/>
+                </a:cxn>
+                <a:cxn ang="0">
+                  <a:pos x="connsiteX28" y="connsiteY28"/>
+                </a:cxn>
+                <a:cxn ang="0">
+                  <a:pos x="connsiteX29" y="connsiteY29"/>
+                </a:cxn>
+              </a:cxnLst>
+              <a:rect l="l" t="t" r="r" b="b"/>
+              <a:pathLst>
+                <a:path w="214731" h="129311">
+                  <a:moveTo>
+                    <a:pt x="200035" y="24614"/>
+                  </a:moveTo>
+                  <a:cubicBezTo>
+                    <a:pt x="201952" y="22060"/>
+                    <a:pt x="201313" y="17592"/>
+                    <a:pt x="198757" y="15676"/>
+                  </a:cubicBezTo>
+                  <a:cubicBezTo>
+                    <a:pt x="196201" y="13761"/>
+                    <a:pt x="193645" y="13761"/>
+                    <a:pt x="191089" y="15676"/>
+                  </a:cubicBezTo>
+                  <a:lnTo>
+                    <a:pt x="177671" y="25891"/>
+                  </a:lnTo>
+                  <a:cubicBezTo>
+                    <a:pt x="132301" y="-13052"/>
+                    <a:pt x="64568" y="-7306"/>
+                    <a:pt x="25590" y="38020"/>
+                  </a:cubicBezTo>
+                  <a:cubicBezTo>
+                    <a:pt x="8976" y="57811"/>
+                    <a:pt x="-609" y="82070"/>
+                    <a:pt x="30" y="108244"/>
+                  </a:cubicBezTo>
+                  <a:cubicBezTo>
+                    <a:pt x="30" y="112074"/>
+                    <a:pt x="2586" y="114628"/>
+                    <a:pt x="6420" y="114628"/>
+                  </a:cubicBezTo>
+                  <a:cubicBezTo>
+                    <a:pt x="10254" y="114628"/>
+                    <a:pt x="12810" y="112074"/>
+                    <a:pt x="12810" y="108244"/>
+                  </a:cubicBezTo>
+                  <a:cubicBezTo>
+                    <a:pt x="12810" y="55895"/>
+                    <a:pt x="54983" y="13123"/>
+                    <a:pt x="107381" y="13123"/>
+                  </a:cubicBezTo>
+                  <a:cubicBezTo>
+                    <a:pt x="129106" y="13123"/>
+                    <a:pt x="150194" y="20784"/>
+                    <a:pt x="166807" y="34190"/>
+                  </a:cubicBezTo>
+                  <a:lnTo>
+                    <a:pt x="92684" y="91007"/>
+                  </a:lnTo>
+                  <a:lnTo>
+                    <a:pt x="92045" y="91646"/>
+                  </a:lnTo>
+                  <a:cubicBezTo>
+                    <a:pt x="83738" y="99945"/>
+                    <a:pt x="83738" y="113990"/>
+                    <a:pt x="92045" y="122927"/>
+                  </a:cubicBezTo>
+                  <a:cubicBezTo>
+                    <a:pt x="95879" y="126758"/>
+                    <a:pt x="101630" y="129311"/>
+                    <a:pt x="107381" y="129311"/>
+                  </a:cubicBezTo>
+                  <a:lnTo>
+                    <a:pt x="107381" y="129311"/>
+                  </a:lnTo>
+                  <a:cubicBezTo>
+                    <a:pt x="113132" y="129311"/>
+                    <a:pt x="118883" y="126758"/>
+                    <a:pt x="122717" y="122927"/>
+                  </a:cubicBezTo>
+                  <a:lnTo>
+                    <a:pt x="123356" y="122289"/>
+                  </a:lnTo>
+                  <a:lnTo>
+                    <a:pt x="180866" y="48873"/>
+                  </a:lnTo>
+                  <a:cubicBezTo>
+                    <a:pt x="194923" y="65471"/>
+                    <a:pt x="201952" y="87177"/>
+                    <a:pt x="201952" y="108882"/>
+                  </a:cubicBezTo>
+                  <a:cubicBezTo>
+                    <a:pt x="201952" y="112713"/>
+                    <a:pt x="204508" y="115266"/>
+                    <a:pt x="208342" y="115266"/>
+                  </a:cubicBezTo>
+                  <a:cubicBezTo>
+                    <a:pt x="212176" y="115266"/>
+                    <a:pt x="214732" y="112713"/>
+                    <a:pt x="214732" y="108882"/>
+                  </a:cubicBezTo>
+                  <a:cubicBezTo>
+                    <a:pt x="214732" y="83347"/>
+                    <a:pt x="205786" y="58449"/>
+                    <a:pt x="188533" y="38659"/>
+                  </a:cubicBezTo>
+                  <a:lnTo>
+                    <a:pt x="200035" y="24614"/>
+                  </a:lnTo>
+                  <a:close/>
+                  <a:moveTo>
+                    <a:pt x="113771" y="113351"/>
+                  </a:moveTo>
+                  <a:cubicBezTo>
+                    <a:pt x="111854" y="115266"/>
+                    <a:pt x="109937" y="115905"/>
+                    <a:pt x="107381" y="115905"/>
+                  </a:cubicBezTo>
+                  <a:lnTo>
+                    <a:pt x="107381" y="115905"/>
+                  </a:lnTo>
+                  <a:cubicBezTo>
+                    <a:pt x="104825" y="115905"/>
+                    <a:pt x="102908" y="114628"/>
+                    <a:pt x="100991" y="113351"/>
+                  </a:cubicBezTo>
+                  <a:cubicBezTo>
+                    <a:pt x="97796" y="109521"/>
+                    <a:pt x="97796" y="104414"/>
+                    <a:pt x="100991" y="100583"/>
+                  </a:cubicBezTo>
+                  <a:lnTo>
+                    <a:pt x="158501" y="56534"/>
+                  </a:lnTo>
+                  <a:lnTo>
+                    <a:pt x="113771" y="113351"/>
                   </a:lnTo>
                   <a:close/>
                 </a:path>
@@ -18160,7 +19120,7 @@
           <a:graphicData uri="http://schemas.openxmlformats.org/presentationml/2006/ole">
             <mc:AlternateContent xmlns:mc="http://schemas.openxmlformats.org/markup-compatibility/2006">
               <mc:Choice xmlns:v="urn:schemas-microsoft-com:vml" Requires="v">
-                <p:oleObj spid="_x0000_s56328" name="think-cell Slide" r:id="rId5" imgW="395" imgH="396" progId="TCLayout.ActiveDocument.1">
+                <p:oleObj spid="_x0000_s56329" name="think-cell Slide" r:id="rId5" imgW="395" imgH="396" progId="TCLayout.ActiveDocument.1">
                   <p:embed/>
                 </p:oleObj>
               </mc:Choice>
@@ -22976,7 +23936,7 @@
           <a:graphicData uri="http://schemas.openxmlformats.org/presentationml/2006/ole">
             <mc:AlternateContent xmlns:mc="http://schemas.openxmlformats.org/markup-compatibility/2006">
               <mc:Choice xmlns:v="urn:schemas-microsoft-com:vml" Requires="v">
-                <p:oleObj spid="_x0000_s221192" name="think-cell Slide" r:id="rId5" imgW="395" imgH="396" progId="TCLayout.ActiveDocument.1">
+                <p:oleObj spid="_x0000_s221193" name="think-cell Slide" r:id="rId5" imgW="395" imgH="396" progId="TCLayout.ActiveDocument.1">
                   <p:embed/>
                 </p:oleObj>
               </mc:Choice>
@@ -28854,7 +29814,7 @@
           </a:ln>
           <a:extLst>
             <a:ext uri="{909E8E84-426E-40dd-AFC4-6F175D3DCCD1}">
-              <a14:hiddenFill xmlns="" xmlns:a14="http://schemas.microsoft.com/office/drawing/2010/main">
+              <a14:hiddenFill xmlns:a14="http://schemas.microsoft.com/office/drawing/2010/main" xmlns="">
                 <a:solidFill>
                   <a:srgbClr val="FFFFFF"/>
                 </a:solidFill>
@@ -28979,7 +29939,7 @@
           <a:graphicData uri="http://schemas.openxmlformats.org/presentationml/2006/ole">
             <mc:AlternateContent xmlns:mc="http://schemas.openxmlformats.org/markup-compatibility/2006">
               <mc:Choice xmlns:v="urn:schemas-microsoft-com:vml" Requires="v">
-                <p:oleObj spid="_x0000_s75784" name="think-cell Slide" r:id="rId6" imgW="415" imgH="416" progId="TCLayout.ActiveDocument.1">
+                <p:oleObj spid="_x0000_s75785" name="think-cell Slide" r:id="rId6" imgW="415" imgH="416" progId="TCLayout.ActiveDocument.1">
                   <p:embed/>
                 </p:oleObj>
               </mc:Choice>
@@ -29397,14 +30357,14 @@
           </a:ln>
           <a:extLst>
             <a:ext uri="{909E8E84-426E-40dd-AFC4-6F175D3DCCD1}">
-              <a14:hiddenFill xmlns="" xmlns:a14="http://schemas.microsoft.com/office/drawing/2010/main">
+              <a14:hiddenFill xmlns:a14="http://schemas.microsoft.com/office/drawing/2010/main" xmlns="">
                 <a:solidFill>
                   <a:srgbClr val="FFFFFF"/>
                 </a:solidFill>
               </a14:hiddenFill>
             </a:ext>
             <a:ext uri="{91240B29-F687-4f45-9708-019B960494DF}">
-              <a14:hiddenLine xmlns="" xmlns:a14="http://schemas.microsoft.com/office/drawing/2010/main" w="12700">
+              <a14:hiddenLine xmlns:a14="http://schemas.microsoft.com/office/drawing/2010/main" xmlns="" w="12700">
                 <a:solidFill>
                   <a:srgbClr val="000000"/>
                 </a:solidFill>
@@ -29482,14 +30442,14 @@
           </a:ln>
           <a:extLst>
             <a:ext uri="{909E8E84-426E-40dd-AFC4-6F175D3DCCD1}">
-              <a14:hiddenFill xmlns="" xmlns:a14="http://schemas.microsoft.com/office/drawing/2010/main">
+              <a14:hiddenFill xmlns:a14="http://schemas.microsoft.com/office/drawing/2010/main" xmlns="">
                 <a:solidFill>
                   <a:srgbClr val="FFFFFF"/>
                 </a:solidFill>
               </a14:hiddenFill>
             </a:ext>
             <a:ext uri="{91240B29-F687-4f45-9708-019B960494DF}">
-              <a14:hiddenLine xmlns="" xmlns:a14="http://schemas.microsoft.com/office/drawing/2010/main" w="12700">
+              <a14:hiddenLine xmlns:a14="http://schemas.microsoft.com/office/drawing/2010/main" xmlns="" w="12700">
                 <a:solidFill>
                   <a:srgbClr val="000000"/>
                 </a:solidFill>
@@ -29567,14 +30527,14 @@
           </a:ln>
           <a:extLst>
             <a:ext uri="{909E8E84-426E-40dd-AFC4-6F175D3DCCD1}">
-              <a14:hiddenFill xmlns="" xmlns:a14="http://schemas.microsoft.com/office/drawing/2010/main">
+              <a14:hiddenFill xmlns:a14="http://schemas.microsoft.com/office/drawing/2010/main" xmlns="">
                 <a:solidFill>
                   <a:srgbClr val="FFFFFF"/>
                 </a:solidFill>
               </a14:hiddenFill>
             </a:ext>
             <a:ext uri="{91240B29-F687-4f45-9708-019B960494DF}">
-              <a14:hiddenLine xmlns="" xmlns:a14="http://schemas.microsoft.com/office/drawing/2010/main" w="12700">
+              <a14:hiddenLine xmlns:a14="http://schemas.microsoft.com/office/drawing/2010/main" xmlns="" w="12700">
                 <a:solidFill>
                   <a:srgbClr val="000000"/>
                 </a:solidFill>
@@ -29954,7 +30914,7 @@
             </a:ln>
             <a:extLst>
               <a:ext uri="{91240B29-F687-4f45-9708-019B960494DF}">
-                <a14:hiddenLine xmlns="" xmlns:a14="http://schemas.microsoft.com/office/drawing/2010/main" w="9525">
+                <a14:hiddenLine xmlns:a14="http://schemas.microsoft.com/office/drawing/2010/main" xmlns="" w="9525">
                   <a:solidFill>
                     <a:srgbClr val="000000"/>
                   </a:solidFill>
@@ -30627,7 +31587,7 @@
             </a:ln>
             <a:extLst>
               <a:ext uri="{91240B29-F687-4f45-9708-019B960494DF}">
-                <a14:hiddenLine xmlns="" xmlns:a14="http://schemas.microsoft.com/office/drawing/2010/main" w="9525">
+                <a14:hiddenLine xmlns:a14="http://schemas.microsoft.com/office/drawing/2010/main" xmlns="" w="9525">
                   <a:solidFill>
                     <a:srgbClr val="000000"/>
                   </a:solidFill>
@@ -30938,7 +31898,7 @@
             </a:ln>
             <a:extLst>
               <a:ext uri="{91240B29-F687-4f45-9708-019B960494DF}">
-                <a14:hiddenLine xmlns="" xmlns:a14="http://schemas.microsoft.com/office/drawing/2010/main" w="9525">
+                <a14:hiddenLine xmlns:a14="http://schemas.microsoft.com/office/drawing/2010/main" xmlns="" w="9525">
                   <a:solidFill>
                     <a:srgbClr val="000000"/>
                   </a:solidFill>
@@ -31377,7 +32337,7 @@
             </a:ln>
             <a:extLst>
               <a:ext uri="{91240B29-F687-4f45-9708-019B960494DF}">
-                <a14:hiddenLine xmlns="" xmlns:a14="http://schemas.microsoft.com/office/drawing/2010/main" w="9525">
+                <a14:hiddenLine xmlns:a14="http://schemas.microsoft.com/office/drawing/2010/main" xmlns="" w="9525">
                   <a:solidFill>
                     <a:srgbClr val="000000"/>
                   </a:solidFill>
@@ -31746,7 +32706,7 @@
             </a:ln>
             <a:extLst>
               <a:ext uri="{91240B29-F687-4f45-9708-019B960494DF}">
-                <a14:hiddenLine xmlns="" xmlns:a14="http://schemas.microsoft.com/office/drawing/2010/main" w="9525">
+                <a14:hiddenLine xmlns:a14="http://schemas.microsoft.com/office/drawing/2010/main" xmlns="" w="9525">
                   <a:solidFill>
                     <a:srgbClr val="000000"/>
                   </a:solidFill>
@@ -32433,7 +33393,7 @@
             </a:ln>
             <a:extLst>
               <a:ext uri="{91240B29-F687-4f45-9708-019B960494DF}">
-                <a14:hiddenLine xmlns="" xmlns:a14="http://schemas.microsoft.com/office/drawing/2010/main" w="9525">
+                <a14:hiddenLine xmlns:a14="http://schemas.microsoft.com/office/drawing/2010/main" xmlns="" w="9525">
                   <a:solidFill>
                     <a:srgbClr val="000000"/>
                   </a:solidFill>
@@ -32620,7 +33580,7 @@
             </a:ln>
             <a:extLst>
               <a:ext uri="{91240B29-F687-4f45-9708-019B960494DF}">
-                <a14:hiddenLine xmlns="" xmlns:a14="http://schemas.microsoft.com/office/drawing/2010/main" w="9525">
+                <a14:hiddenLine xmlns:a14="http://schemas.microsoft.com/office/drawing/2010/main" xmlns="" w="9525">
                   <a:solidFill>
                     <a:srgbClr val="000000"/>
                   </a:solidFill>
@@ -33017,7 +33977,7 @@
           <a:graphicData uri="http://schemas.openxmlformats.org/presentationml/2006/ole">
             <mc:AlternateContent xmlns:mc="http://schemas.openxmlformats.org/markup-compatibility/2006">
               <mc:Choice xmlns:v="urn:schemas-microsoft-com:vml" Requires="v">
-                <p:oleObj spid="_x0000_s224264" name="think-cell Slide" r:id="rId5" imgW="415" imgH="416" progId="TCLayout.ActiveDocument.1">
+                <p:oleObj spid="_x0000_s224265" name="think-cell Slide" r:id="rId5" imgW="415" imgH="416" progId="TCLayout.ActiveDocument.1">
                   <p:embed/>
                 </p:oleObj>
               </mc:Choice>
@@ -35294,12 +36254,20 @@
 </file>
 
 <file path=customXml/item1.xml><?xml version="1.0" encoding="utf-8"?>
-<?mso-contentType ?>
-<FormTemplates xmlns="http://schemas.microsoft.com/sharepoint/v3/contenttype/forms">
-  <Display>DocumentLibraryForm</Display>
-  <Edit>DocumentLibraryForm</Edit>
-  <New>DocumentLibraryForm</New>
-</FormTemplates>
+<p:properties xmlns:p="http://schemas.microsoft.com/office/2006/metadata/properties" xmlns:xsi="http://www.w3.org/2001/XMLSchema-instance" xmlns:pc="http://schemas.microsoft.com/office/infopath/2007/PartnerControls">
+  <documentManagement>
+    <SharedWithUsers xmlns="7d174352-5b80-4e49-85a5-95000dc4228d">
+      <UserInfo>
+        <DisplayName>Sutey, Kelly</DisplayName>
+        <AccountId>444</AccountId>
+        <AccountType/>
+      </UserInfo>
+    </SharedWithUsers>
+    <lcf76f155ced4ddcb4097134ff3c332f xmlns="2e275414-d7f4-45cc-9fd2-927cdd7f7ce6">
+      <Terms xmlns="http://schemas.microsoft.com/office/infopath/2007/PartnerControls"/>
+    </lcf76f155ced4ddcb4097134ff3c332f>
+  </documentManagement>
+</p:properties>
 </file>
 
 <file path=customXml/item2.xml><?xml version="1.0" encoding="utf-8"?>
@@ -35502,26 +36470,27 @@
 </file>
 
 <file path=customXml/item3.xml><?xml version="1.0" encoding="utf-8"?>
-<p:properties xmlns:p="http://schemas.microsoft.com/office/2006/metadata/properties" xmlns:xsi="http://www.w3.org/2001/XMLSchema-instance" xmlns:pc="http://schemas.microsoft.com/office/infopath/2007/PartnerControls">
-  <documentManagement>
-    <SharedWithUsers xmlns="7d174352-5b80-4e49-85a5-95000dc4228d">
-      <UserInfo>
-        <DisplayName>Sutey, Kelly</DisplayName>
-        <AccountId>444</AccountId>
-        <AccountType/>
-      </UserInfo>
-    </SharedWithUsers>
-    <lcf76f155ced4ddcb4097134ff3c332f xmlns="2e275414-d7f4-45cc-9fd2-927cdd7f7ce6">
-      <Terms xmlns="http://schemas.microsoft.com/office/infopath/2007/PartnerControls"/>
-    </lcf76f155ced4ddcb4097134ff3c332f>
-  </documentManagement>
-</p:properties>
+<?mso-contentType ?>
+<FormTemplates xmlns="http://schemas.microsoft.com/sharepoint/v3/contenttype/forms">
+  <Display>DocumentLibraryForm</Display>
+  <Edit>DocumentLibraryForm</Edit>
+  <New>DocumentLibraryForm</New>
+</FormTemplates>
 </file>
 
 <file path=customXml/itemProps1.xml><?xml version="1.0" encoding="utf-8"?>
-<ds:datastoreItem xmlns:ds="http://schemas.openxmlformats.org/officeDocument/2006/customXml" ds:itemID="{9B7FB8A3-7F76-499E-9E0B-923C5510267E}">
+<ds:datastoreItem xmlns:ds="http://schemas.openxmlformats.org/officeDocument/2006/customXml" ds:itemID="{B387EEAB-2BDC-48C7-A4F7-2A6F1AC14E36}">
   <ds:schemaRefs>
-    <ds:schemaRef ds:uri="http://schemas.microsoft.com/sharepoint/v3/contenttype/forms"/>
+    <ds:schemaRef ds:uri="http://purl.org/dc/elements/1.1/"/>
+    <ds:schemaRef ds:uri="http://purl.org/dc/dcmitype/"/>
+    <ds:schemaRef ds:uri="http://www.w3.org/XML/1998/namespace"/>
+    <ds:schemaRef ds:uri="2e275414-d7f4-45cc-9fd2-927cdd7f7ce6"/>
+    <ds:schemaRef ds:uri="http://schemas.microsoft.com/office/2006/metadata/properties"/>
+    <ds:schemaRef ds:uri="http://schemas.microsoft.com/office/infopath/2007/PartnerControls"/>
+    <ds:schemaRef ds:uri="http://purl.org/dc/terms/"/>
+    <ds:schemaRef ds:uri="http://schemas.microsoft.com/office/2006/documentManagement/types"/>
+    <ds:schemaRef ds:uri="http://schemas.openxmlformats.org/package/2006/metadata/core-properties"/>
+    <ds:schemaRef ds:uri="7d174352-5b80-4e49-85a5-95000dc4228d"/>
   </ds:schemaRefs>
 </ds:datastoreItem>
 </file>
@@ -35546,18 +36515,9 @@
 </file>
 
 <file path=customXml/itemProps3.xml><?xml version="1.0" encoding="utf-8"?>
-<ds:datastoreItem xmlns:ds="http://schemas.openxmlformats.org/officeDocument/2006/customXml" ds:itemID="{B387EEAB-2BDC-48C7-A4F7-2A6F1AC14E36}">
+<ds:datastoreItem xmlns:ds="http://schemas.openxmlformats.org/officeDocument/2006/customXml" ds:itemID="{9B7FB8A3-7F76-499E-9E0B-923C5510267E}">
   <ds:schemaRefs>
-    <ds:schemaRef ds:uri="http://purl.org/dc/elements/1.1/"/>
-    <ds:schemaRef ds:uri="http://purl.org/dc/dcmitype/"/>
-    <ds:schemaRef ds:uri="http://www.w3.org/XML/1998/namespace"/>
-    <ds:schemaRef ds:uri="2e275414-d7f4-45cc-9fd2-927cdd7f7ce6"/>
-    <ds:schemaRef ds:uri="http://schemas.microsoft.com/office/2006/metadata/properties"/>
-    <ds:schemaRef ds:uri="http://schemas.microsoft.com/office/infopath/2007/PartnerControls"/>
-    <ds:schemaRef ds:uri="http://purl.org/dc/terms/"/>
-    <ds:schemaRef ds:uri="http://schemas.microsoft.com/office/2006/documentManagement/types"/>
-    <ds:schemaRef ds:uri="http://schemas.openxmlformats.org/package/2006/metadata/core-properties"/>
-    <ds:schemaRef ds:uri="7d174352-5b80-4e49-85a5-95000dc4228d"/>
+    <ds:schemaRef ds:uri="http://schemas.microsoft.com/sharepoint/v3/contenttype/forms"/>
   </ds:schemaRefs>
 </ds:datastoreItem>
 </file>